--- a/data/geografija/prezentacije/HT3_003_Turizam_Latinske_Amerike-Meksiko.pptx
+++ b/data/geografija/prezentacije/HT3_003_Turizam_Latinske_Amerike-Meksiko.pptx
@@ -5,7 +5,7 @@
     <p:sldMasterId id="2147483648" r:id="rId1"/>
   </p:sldMasterIdLst>
   <p:notesMasterIdLst>
-    <p:notesMasterId r:id="rId19"/>
+    <p:notesMasterId r:id="rId20"/>
   </p:notesMasterIdLst>
   <p:sldIdLst>
     <p:sldId id="293" r:id="rId2"/>
@@ -25,6 +25,7 @@
     <p:sldId id="368" r:id="rId16"/>
     <p:sldId id="369" r:id="rId17"/>
     <p:sldId id="370" r:id="rId18"/>
+    <p:sldId id="371" r:id="rId19"/>
   </p:sldIdLst>
   <p:sldSz cx="9144000" cy="6858000" type="screen4x3"/>
   <p:notesSz cx="6858000" cy="9144000"/>
@@ -208,7 +209,7 @@
           <a:p>
             <a:fld id="{89FA8683-D335-487D-B25C-582E7499E131}" type="datetimeFigureOut">
               <a:rPr lang="hr-HR" smtClean="0"/>
-              <a:t>22.10.2019.</a:t>
+              <a:t>25.10.2019.</a:t>
             </a:fld>
             <a:endParaRPr lang="hr-HR"/>
           </a:p>
@@ -658,7 +659,7 @@
             <a:fld id="{99A247F4-8497-4C19-A3B5-0A75475EBA66}" type="datetimeFigureOut">
               <a:rPr lang="hr-HR" smtClean="0"/>
               <a:pPr/>
-              <a:t>22.10.2019.</a:t>
+              <a:t>25.10.2019.</a:t>
             </a:fld>
             <a:endParaRPr lang="hr-HR"/>
           </a:p>
@@ -833,7 +834,7 @@
             <a:fld id="{99A247F4-8497-4C19-A3B5-0A75475EBA66}" type="datetimeFigureOut">
               <a:rPr lang="hr-HR" smtClean="0"/>
               <a:pPr/>
-              <a:t>22.10.2019.</a:t>
+              <a:t>25.10.2019.</a:t>
             </a:fld>
             <a:endParaRPr lang="hr-HR"/>
           </a:p>
@@ -1018,7 +1019,7 @@
             <a:fld id="{99A247F4-8497-4C19-A3B5-0A75475EBA66}" type="datetimeFigureOut">
               <a:rPr lang="hr-HR" smtClean="0"/>
               <a:pPr/>
-              <a:t>22.10.2019.</a:t>
+              <a:t>25.10.2019.</a:t>
             </a:fld>
             <a:endParaRPr lang="hr-HR"/>
           </a:p>
@@ -1462,7 +1463,7 @@
             <a:fld id="{99A247F4-8497-4C19-A3B5-0A75475EBA66}" type="datetimeFigureOut">
               <a:rPr lang="hr-HR" smtClean="0"/>
               <a:pPr/>
-              <a:t>22.10.2019.</a:t>
+              <a:t>25.10.2019.</a:t>
             </a:fld>
             <a:endParaRPr lang="hr-HR"/>
           </a:p>
@@ -1755,7 +1756,7 @@
             <a:fld id="{99A247F4-8497-4C19-A3B5-0A75475EBA66}" type="datetimeFigureOut">
               <a:rPr lang="hr-HR" smtClean="0"/>
               <a:pPr/>
-              <a:t>22.10.2019.</a:t>
+              <a:t>25.10.2019.</a:t>
             </a:fld>
             <a:endParaRPr lang="hr-HR"/>
           </a:p>
@@ -2182,7 +2183,7 @@
             <a:fld id="{99A247F4-8497-4C19-A3B5-0A75475EBA66}" type="datetimeFigureOut">
               <a:rPr lang="hr-HR" smtClean="0"/>
               <a:pPr/>
-              <a:t>22.10.2019.</a:t>
+              <a:t>25.10.2019.</a:t>
             </a:fld>
             <a:endParaRPr lang="hr-HR"/>
           </a:p>
@@ -2305,7 +2306,7 @@
             <a:fld id="{99A247F4-8497-4C19-A3B5-0A75475EBA66}" type="datetimeFigureOut">
               <a:rPr lang="hr-HR" smtClean="0"/>
               <a:pPr/>
-              <a:t>22.10.2019.</a:t>
+              <a:t>25.10.2019.</a:t>
             </a:fld>
             <a:endParaRPr lang="hr-HR"/>
           </a:p>
@@ -2405,7 +2406,7 @@
             <a:fld id="{99A247F4-8497-4C19-A3B5-0A75475EBA66}" type="datetimeFigureOut">
               <a:rPr lang="hr-HR" smtClean="0"/>
               <a:pPr/>
-              <a:t>22.10.2019.</a:t>
+              <a:t>25.10.2019.</a:t>
             </a:fld>
             <a:endParaRPr lang="hr-HR"/>
           </a:p>
@@ -2687,7 +2688,7 @@
             <a:fld id="{99A247F4-8497-4C19-A3B5-0A75475EBA66}" type="datetimeFigureOut">
               <a:rPr lang="hr-HR" smtClean="0"/>
               <a:pPr/>
-              <a:t>22.10.2019.</a:t>
+              <a:t>25.10.2019.</a:t>
             </a:fld>
             <a:endParaRPr lang="hr-HR"/>
           </a:p>
@@ -2945,7 +2946,7 @@
             <a:fld id="{99A247F4-8497-4C19-A3B5-0A75475EBA66}" type="datetimeFigureOut">
               <a:rPr lang="hr-HR" smtClean="0"/>
               <a:pPr/>
-              <a:t>22.10.2019.</a:t>
+              <a:t>25.10.2019.</a:t>
             </a:fld>
             <a:endParaRPr lang="hr-HR"/>
           </a:p>
@@ -3163,7 +3164,7 @@
             <a:fld id="{99A247F4-8497-4C19-A3B5-0A75475EBA66}" type="datetimeFigureOut">
               <a:rPr lang="hr-HR" smtClean="0"/>
               <a:pPr/>
-              <a:t>22.10.2019.</a:t>
+              <a:t>25.10.2019.</a:t>
             </a:fld>
             <a:endParaRPr lang="hr-HR"/>
           </a:p>
@@ -3998,20 +3999,7 @@
                 <a:ea typeface="Calibri"/>
                 <a:cs typeface="Times New Roman"/>
               </a:rPr>
-              <a:t>brojna </a:t>
-            </a:r>
-            <a:r>
-              <a:rPr lang="hr-HR" sz="2400" dirty="0">
-                <a:solidFill>
-                  <a:prstClr val="black"/>
-                </a:solidFill>
-                <a:highlight>
-                  <a:srgbClr val="FFFF00"/>
-                </a:highlight>
-                <a:ea typeface="Calibri"/>
-                <a:cs typeface="Times New Roman"/>
-              </a:rPr>
-              <a:t>kupališna </a:t>
+              <a:t>brojna kupališna </a:t>
             </a:r>
             <a:r>
               <a:rPr lang="hr-HR" sz="2400" dirty="0" smtClean="0">
@@ -4274,13 +4262,6 @@
               </a:rPr>
               <a:t>– nekada trgovačka luka (do 1950-ih), danas veliko turističko mjesto s brojnim modernim hotelima </a:t>
             </a:r>
-            <a:endParaRPr lang="hr-HR" sz="2400" dirty="0">
-              <a:solidFill>
-                <a:prstClr val="black"/>
-              </a:solidFill>
-              <a:ea typeface="Calibri"/>
-              <a:cs typeface="Times New Roman"/>
-            </a:endParaRPr>
           </a:p>
         </p:txBody>
       </p:sp>
@@ -9699,11 +9680,6 @@
               </a:rPr>
               <a:t>koraljni greben na Karipskom moru</a:t>
             </a:r>
-            <a:endParaRPr lang="hr-HR" sz="2000" dirty="0">
-              <a:solidFill>
-                <a:prstClr val="black"/>
-              </a:solidFill>
-            </a:endParaRPr>
           </a:p>
         </p:txBody>
       </p:sp>
@@ -10059,6 +10035,890 @@
 </p:sld>
 </file>
 
+<file path=ppt/slides/slide18.xml><?xml version="1.0" encoding="utf-8"?>
+<p:sld xmlns:a="http://schemas.openxmlformats.org/drawingml/2006/main" xmlns:r="http://schemas.openxmlformats.org/officeDocument/2006/relationships" xmlns:p="http://schemas.openxmlformats.org/presentationml/2006/main">
+  <p:cSld>
+    <p:spTree>
+      <p:nvGrpSpPr>
+        <p:cNvPr id="1" name=""/>
+        <p:cNvGrpSpPr/>
+        <p:nvPr/>
+      </p:nvGrpSpPr>
+      <p:grpSpPr>
+        <a:xfrm>
+          <a:off x="0" y="0"/>
+          <a:ext cx="0" cy="0"/>
+          <a:chOff x="0" y="0"/>
+          <a:chExt cx="0" cy="0"/>
+        </a:xfrm>
+      </p:grpSpPr>
+      <p:pic>
+        <p:nvPicPr>
+          <p:cNvPr id="1026" name="Picture 2" descr="https://ecoamericatours.com/costarica/wp-content/uploads/sites/11/2014/09/CR_Manuel_Antonio_National_Park_03.jpg"/>
+          <p:cNvPicPr>
+            <a:picLocks noChangeAspect="1" noChangeArrowheads="1"/>
+          </p:cNvPicPr>
+          <p:nvPr/>
+        </p:nvPicPr>
+        <p:blipFill>
+          <a:blip r:embed="rId2" cstate="email">
+            <a:extLst>
+              <a:ext uri="{28A0092B-C50C-407E-A947-70E740481C1C}">
+                <a14:useLocalDpi xmlns:a14="http://schemas.microsoft.com/office/drawing/2010/main"/>
+              </a:ext>
+            </a:extLst>
+          </a:blip>
+          <a:srcRect/>
+          <a:stretch>
+            <a:fillRect/>
+          </a:stretch>
+        </p:blipFill>
+        <p:spPr bwMode="auto">
+          <a:xfrm>
+            <a:off x="2483768" y="2276872"/>
+            <a:ext cx="6611888" cy="4496085"/>
+          </a:xfrm>
+          <a:prstGeom prst="rect">
+            <a:avLst/>
+          </a:prstGeom>
+          <a:noFill/>
+          <a:extLst>
+            <a:ext uri="{909E8E84-426E-40DD-AFC4-6F175D3DCCD1}">
+              <a14:hiddenFill xmlns:a14="http://schemas.microsoft.com/office/drawing/2010/main">
+                <a:solidFill>
+                  <a:srgbClr val="FFFFFF"/>
+                </a:solidFill>
+              </a14:hiddenFill>
+            </a:ext>
+          </a:extLst>
+        </p:spPr>
+      </p:pic>
+      <p:pic>
+        <p:nvPicPr>
+          <p:cNvPr id="1028" name="Picture 4" descr="https://i.pinimg.com/736x/3b/ba/d6/3bbad6f3dffe7cec79bcc661304d7479.jpg"/>
+          <p:cNvPicPr>
+            <a:picLocks noChangeAspect="1" noChangeArrowheads="1"/>
+          </p:cNvPicPr>
+          <p:nvPr/>
+        </p:nvPicPr>
+        <p:blipFill>
+          <a:blip r:embed="rId3" cstate="email">
+            <a:extLst>
+              <a:ext uri="{28A0092B-C50C-407E-A947-70E740481C1C}">
+                <a14:useLocalDpi xmlns:a14="http://schemas.microsoft.com/office/drawing/2010/main"/>
+              </a:ext>
+            </a:extLst>
+          </a:blip>
+          <a:srcRect/>
+          <a:stretch>
+            <a:fillRect/>
+          </a:stretch>
+        </p:blipFill>
+        <p:spPr bwMode="auto">
+          <a:xfrm>
+            <a:off x="83323" y="93965"/>
+            <a:ext cx="3206329" cy="4809494"/>
+          </a:xfrm>
+          <a:prstGeom prst="rect">
+            <a:avLst/>
+          </a:prstGeom>
+          <a:noFill/>
+          <a:ln w="38100">
+            <a:solidFill>
+              <a:schemeClr val="bg1"/>
+            </a:solidFill>
+          </a:ln>
+          <a:extLst>
+            <a:ext uri="{909E8E84-426E-40DD-AFC4-6F175D3DCCD1}">
+              <a14:hiddenFill xmlns:a14="http://schemas.microsoft.com/office/drawing/2010/main">
+                <a:solidFill>
+                  <a:srgbClr val="FFFFFF"/>
+                </a:solidFill>
+              </a14:hiddenFill>
+            </a:ext>
+          </a:extLst>
+        </p:spPr>
+      </p:pic>
+      <p:pic>
+        <p:nvPicPr>
+          <p:cNvPr id="1032" name="Picture 8" descr="https://mapachetours.com/blog/wp-content/uploads/2019/01/visit-to-tortuguero-national-park.jpg"/>
+          <p:cNvPicPr>
+            <a:picLocks noChangeAspect="1" noChangeArrowheads="1"/>
+          </p:cNvPicPr>
+          <p:nvPr/>
+        </p:nvPicPr>
+        <p:blipFill>
+          <a:blip r:embed="rId4">
+            <a:extLst>
+              <a:ext uri="{28A0092B-C50C-407E-A947-70E740481C1C}">
+                <a14:useLocalDpi xmlns:a14="http://schemas.microsoft.com/office/drawing/2010/main"/>
+              </a:ext>
+            </a:extLst>
+          </a:blip>
+          <a:srcRect/>
+          <a:stretch>
+            <a:fillRect/>
+          </a:stretch>
+        </p:blipFill>
+        <p:spPr bwMode="auto">
+          <a:xfrm>
+            <a:off x="83323" y="1619027"/>
+            <a:ext cx="9012333" cy="5153930"/>
+          </a:xfrm>
+          <a:prstGeom prst="rect">
+            <a:avLst/>
+          </a:prstGeom>
+          <a:noFill/>
+          <a:extLst>
+            <a:ext uri="{909E8E84-426E-40DD-AFC4-6F175D3DCCD1}">
+              <a14:hiddenFill xmlns:a14="http://schemas.microsoft.com/office/drawing/2010/main">
+                <a:solidFill>
+                  <a:srgbClr val="FFFFFF"/>
+                </a:solidFill>
+              </a14:hiddenFill>
+            </a:ext>
+          </a:extLst>
+        </p:spPr>
+      </p:pic>
+      <p:pic>
+        <p:nvPicPr>
+          <p:cNvPr id="1030" name="Picture 6" descr="https://39ag5r37ej175g8ao209xw3t-wpengine.netdna-ssl.com/wp-content/uploads/2016/01/turtles-Tortuguero-NP-Costa-Rica.jpg"/>
+          <p:cNvPicPr>
+            <a:picLocks noChangeAspect="1" noChangeArrowheads="1"/>
+          </p:cNvPicPr>
+          <p:nvPr/>
+        </p:nvPicPr>
+        <p:blipFill>
+          <a:blip r:embed="rId5" cstate="email">
+            <a:extLst>
+              <a:ext uri="{28A0092B-C50C-407E-A947-70E740481C1C}">
+                <a14:useLocalDpi xmlns:a14="http://schemas.microsoft.com/office/drawing/2010/main"/>
+              </a:ext>
+            </a:extLst>
+          </a:blip>
+          <a:srcRect/>
+          <a:stretch>
+            <a:fillRect/>
+          </a:stretch>
+        </p:blipFill>
+        <p:spPr bwMode="auto">
+          <a:xfrm>
+            <a:off x="3059832" y="70750"/>
+            <a:ext cx="6035824" cy="3017912"/>
+          </a:xfrm>
+          <a:prstGeom prst="rect">
+            <a:avLst/>
+          </a:prstGeom>
+          <a:noFill/>
+          <a:ln w="38100">
+            <a:solidFill>
+              <a:schemeClr val="bg1"/>
+            </a:solidFill>
+          </a:ln>
+          <a:extLst>
+            <a:ext uri="{909E8E84-426E-40DD-AFC4-6F175D3DCCD1}">
+              <a14:hiddenFill xmlns:a14="http://schemas.microsoft.com/office/drawing/2010/main">
+                <a:solidFill>
+                  <a:srgbClr val="FFFFFF"/>
+                </a:solidFill>
+              </a14:hiddenFill>
+            </a:ext>
+          </a:extLst>
+        </p:spPr>
+      </p:pic>
+      <p:sp>
+        <p:nvSpPr>
+          <p:cNvPr id="3" name="TextBox 2"/>
+          <p:cNvSpPr txBox="1"/>
+          <p:nvPr/>
+        </p:nvSpPr>
+        <p:spPr>
+          <a:xfrm>
+            <a:off x="249288" y="260648"/>
+            <a:ext cx="2597378" cy="584775"/>
+          </a:xfrm>
+          <a:prstGeom prst="rect">
+            <a:avLst/>
+          </a:prstGeom>
+          <a:noFill/>
+        </p:spPr>
+        <p:txBody>
+          <a:bodyPr wrap="none" rtlCol="0">
+            <a:spAutoFit/>
+          </a:bodyPr>
+          <a:lstStyle/>
+          <a:p>
+            <a:r>
+              <a:rPr lang="hr-HR" sz="3200" dirty="0" smtClean="0"/>
+              <a:t>NP </a:t>
+            </a:r>
+            <a:r>
+              <a:rPr lang="hr-HR" sz="3200" dirty="0" err="1" smtClean="0"/>
+              <a:t>Tortuguero</a:t>
+            </a:r>
+            <a:endParaRPr lang="hr-HR" sz="3200" dirty="0"/>
+          </a:p>
+        </p:txBody>
+      </p:sp>
+      <p:pic>
+        <p:nvPicPr>
+          <p:cNvPr id="1036" name="Picture 12" descr="https://www.chiledesarrollosustentable.cl/wp-content/uploads/2019/09/arrecifes-coral-06-2018.jpg"/>
+          <p:cNvPicPr>
+            <a:picLocks noChangeAspect="1" noChangeArrowheads="1"/>
+          </p:cNvPicPr>
+          <p:nvPr/>
+        </p:nvPicPr>
+        <p:blipFill>
+          <a:blip r:embed="rId6">
+            <a:extLst>
+              <a:ext uri="{28A0092B-C50C-407E-A947-70E740481C1C}">
+                <a14:useLocalDpi xmlns:a14="http://schemas.microsoft.com/office/drawing/2010/main" val="0"/>
+              </a:ext>
+            </a:extLst>
+          </a:blip>
+          <a:srcRect/>
+          <a:stretch>
+            <a:fillRect/>
+          </a:stretch>
+        </p:blipFill>
+        <p:spPr bwMode="auto">
+          <a:xfrm>
+            <a:off x="61391" y="2276872"/>
+            <a:ext cx="7411129" cy="4496085"/>
+          </a:xfrm>
+          <a:prstGeom prst="rect">
+            <a:avLst/>
+          </a:prstGeom>
+          <a:noFill/>
+          <a:extLst>
+            <a:ext uri="{909E8E84-426E-40DD-AFC4-6F175D3DCCD1}">
+              <a14:hiddenFill xmlns:a14="http://schemas.microsoft.com/office/drawing/2010/main">
+                <a:solidFill>
+                  <a:srgbClr val="FFFFFF"/>
+                </a:solidFill>
+              </a14:hiddenFill>
+            </a:ext>
+          </a:extLst>
+        </p:spPr>
+      </p:pic>
+      <p:pic>
+        <p:nvPicPr>
+          <p:cNvPr id="1034" name="Picture 10" descr="https://jameskaiser.com/wp-content/uploads/2016/12/cahuita-national-park-costa-rica-guide.jpg"/>
+          <p:cNvPicPr>
+            <a:picLocks noChangeAspect="1" noChangeArrowheads="1"/>
+          </p:cNvPicPr>
+          <p:nvPr/>
+        </p:nvPicPr>
+        <p:blipFill>
+          <a:blip r:embed="rId7">
+            <a:extLst>
+              <a:ext uri="{28A0092B-C50C-407E-A947-70E740481C1C}">
+                <a14:useLocalDpi xmlns:a14="http://schemas.microsoft.com/office/drawing/2010/main" val="0"/>
+              </a:ext>
+            </a:extLst>
+          </a:blip>
+          <a:srcRect/>
+          <a:stretch>
+            <a:fillRect/>
+          </a:stretch>
+        </p:blipFill>
+        <p:spPr bwMode="auto">
+          <a:xfrm>
+            <a:off x="5789712" y="70750"/>
+            <a:ext cx="3285397" cy="3942476"/>
+          </a:xfrm>
+          <a:prstGeom prst="rect">
+            <a:avLst/>
+          </a:prstGeom>
+          <a:noFill/>
+          <a:ln w="38100">
+            <a:solidFill>
+              <a:schemeClr val="bg1"/>
+            </a:solidFill>
+          </a:ln>
+          <a:extLst>
+            <a:ext uri="{909E8E84-426E-40DD-AFC4-6F175D3DCCD1}">
+              <a14:hiddenFill xmlns:a14="http://schemas.microsoft.com/office/drawing/2010/main">
+                <a:solidFill>
+                  <a:srgbClr val="FFFFFF"/>
+                </a:solidFill>
+              </a14:hiddenFill>
+            </a:ext>
+          </a:extLst>
+        </p:spPr>
+      </p:pic>
+    </p:spTree>
+    <p:extLst>
+      <p:ext uri="{BB962C8B-B14F-4D97-AF65-F5344CB8AC3E}">
+        <p14:creationId xmlns:p14="http://schemas.microsoft.com/office/powerpoint/2010/main" val="1302920083"/>
+      </p:ext>
+    </p:extLst>
+  </p:cSld>
+  <p:clrMapOvr>
+    <a:masterClrMapping/>
+  </p:clrMapOvr>
+  <p:transition>
+    <p:fade/>
+  </p:transition>
+  <p:timing>
+    <p:tnLst>
+      <p:par>
+        <p:cTn id="1" dur="indefinite" restart="never" nodeType="tmRoot">
+          <p:childTnLst>
+            <p:seq concurrent="1" nextAc="seek">
+              <p:cTn id="2" dur="indefinite" nodeType="mainSeq">
+                <p:childTnLst>
+                  <p:par>
+                    <p:cTn id="3" fill="hold">
+                      <p:stCondLst>
+                        <p:cond delay="indefinite"/>
+                        <p:cond evt="onBegin" delay="0">
+                          <p:tn val="2"/>
+                        </p:cond>
+                      </p:stCondLst>
+                      <p:childTnLst>
+                        <p:par>
+                          <p:cTn id="4" fill="hold">
+                            <p:stCondLst>
+                              <p:cond delay="0"/>
+                            </p:stCondLst>
+                            <p:childTnLst>
+                              <p:par>
+                                <p:cTn id="5" presetID="10" presetClass="entr" presetSubtype="0" fill="hold" nodeType="afterEffect">
+                                  <p:stCondLst>
+                                    <p:cond delay="0"/>
+                                  </p:stCondLst>
+                                  <p:childTnLst>
+                                    <p:set>
+                                      <p:cBhvr>
+                                        <p:cTn id="6" dur="1" fill="hold">
+                                          <p:stCondLst>
+                                            <p:cond delay="0"/>
+                                          </p:stCondLst>
+                                        </p:cTn>
+                                        <p:tgtEl>
+                                          <p:spTgt spid="1026"/>
+                                        </p:tgtEl>
+                                        <p:attrNameLst>
+                                          <p:attrName>style.visibility</p:attrName>
+                                        </p:attrNameLst>
+                                      </p:cBhvr>
+                                      <p:to>
+                                        <p:strVal val="visible"/>
+                                      </p:to>
+                                    </p:set>
+                                    <p:animEffect transition="in" filter="fade">
+                                      <p:cBhvr>
+                                        <p:cTn id="7" dur="250"/>
+                                        <p:tgtEl>
+                                          <p:spTgt spid="1026"/>
+                                        </p:tgtEl>
+                                      </p:cBhvr>
+                                    </p:animEffect>
+                                  </p:childTnLst>
+                                </p:cTn>
+                              </p:par>
+                            </p:childTnLst>
+                          </p:cTn>
+                        </p:par>
+                        <p:par>
+                          <p:cTn id="8" fill="hold">
+                            <p:stCondLst>
+                              <p:cond delay="250"/>
+                            </p:stCondLst>
+                            <p:childTnLst>
+                              <p:par>
+                                <p:cTn id="9" presetID="10" presetClass="entr" presetSubtype="0" fill="hold" nodeType="afterEffect">
+                                  <p:stCondLst>
+                                    <p:cond delay="0"/>
+                                  </p:stCondLst>
+                                  <p:childTnLst>
+                                    <p:set>
+                                      <p:cBhvr>
+                                        <p:cTn id="10" dur="1" fill="hold">
+                                          <p:stCondLst>
+                                            <p:cond delay="0"/>
+                                          </p:stCondLst>
+                                        </p:cTn>
+                                        <p:tgtEl>
+                                          <p:spTgt spid="1028"/>
+                                        </p:tgtEl>
+                                        <p:attrNameLst>
+                                          <p:attrName>style.visibility</p:attrName>
+                                        </p:attrNameLst>
+                                      </p:cBhvr>
+                                      <p:to>
+                                        <p:strVal val="visible"/>
+                                      </p:to>
+                                    </p:set>
+                                    <p:animEffect transition="in" filter="fade">
+                                      <p:cBhvr>
+                                        <p:cTn id="11" dur="250"/>
+                                        <p:tgtEl>
+                                          <p:spTgt spid="1028"/>
+                                        </p:tgtEl>
+                                      </p:cBhvr>
+                                    </p:animEffect>
+                                  </p:childTnLst>
+                                </p:cTn>
+                              </p:par>
+                            </p:childTnLst>
+                          </p:cTn>
+                        </p:par>
+                      </p:childTnLst>
+                    </p:cTn>
+                  </p:par>
+                  <p:par>
+                    <p:cTn id="12" fill="hold">
+                      <p:stCondLst>
+                        <p:cond delay="indefinite"/>
+                      </p:stCondLst>
+                      <p:childTnLst>
+                        <p:par>
+                          <p:cTn id="13" fill="hold">
+                            <p:stCondLst>
+                              <p:cond delay="0"/>
+                            </p:stCondLst>
+                            <p:childTnLst>
+                              <p:par>
+                                <p:cTn id="14" presetID="10" presetClass="exit" presetSubtype="0" fill="hold" nodeType="clickEffect">
+                                  <p:stCondLst>
+                                    <p:cond delay="0"/>
+                                  </p:stCondLst>
+                                  <p:childTnLst>
+                                    <p:animEffect transition="out" filter="fade">
+                                      <p:cBhvr>
+                                        <p:cTn id="15" dur="250"/>
+                                        <p:tgtEl>
+                                          <p:spTgt spid="1026"/>
+                                        </p:tgtEl>
+                                      </p:cBhvr>
+                                    </p:animEffect>
+                                    <p:set>
+                                      <p:cBhvr>
+                                        <p:cTn id="16" dur="1" fill="hold">
+                                          <p:stCondLst>
+                                            <p:cond delay="249"/>
+                                          </p:stCondLst>
+                                        </p:cTn>
+                                        <p:tgtEl>
+                                          <p:spTgt spid="1026"/>
+                                        </p:tgtEl>
+                                        <p:attrNameLst>
+                                          <p:attrName>style.visibility</p:attrName>
+                                        </p:attrNameLst>
+                                      </p:cBhvr>
+                                      <p:to>
+                                        <p:strVal val="hidden"/>
+                                      </p:to>
+                                    </p:set>
+                                  </p:childTnLst>
+                                </p:cTn>
+                              </p:par>
+                              <p:par>
+                                <p:cTn id="17" presetID="10" presetClass="exit" presetSubtype="0" fill="hold" nodeType="withEffect">
+                                  <p:stCondLst>
+                                    <p:cond delay="0"/>
+                                  </p:stCondLst>
+                                  <p:childTnLst>
+                                    <p:animEffect transition="out" filter="fade">
+                                      <p:cBhvr>
+                                        <p:cTn id="18" dur="250"/>
+                                        <p:tgtEl>
+                                          <p:spTgt spid="1028"/>
+                                        </p:tgtEl>
+                                      </p:cBhvr>
+                                    </p:animEffect>
+                                    <p:set>
+                                      <p:cBhvr>
+                                        <p:cTn id="19" dur="1" fill="hold">
+                                          <p:stCondLst>
+                                            <p:cond delay="249"/>
+                                          </p:stCondLst>
+                                        </p:cTn>
+                                        <p:tgtEl>
+                                          <p:spTgt spid="1028"/>
+                                        </p:tgtEl>
+                                        <p:attrNameLst>
+                                          <p:attrName>style.visibility</p:attrName>
+                                        </p:attrNameLst>
+                                      </p:cBhvr>
+                                      <p:to>
+                                        <p:strVal val="hidden"/>
+                                      </p:to>
+                                    </p:set>
+                                  </p:childTnLst>
+                                </p:cTn>
+                              </p:par>
+                              <p:par>
+                                <p:cTn id="20" presetID="10" presetClass="entr" presetSubtype="0" fill="hold" nodeType="withEffect">
+                                  <p:stCondLst>
+                                    <p:cond delay="0"/>
+                                  </p:stCondLst>
+                                  <p:childTnLst>
+                                    <p:set>
+                                      <p:cBhvr>
+                                        <p:cTn id="21" dur="1" fill="hold">
+                                          <p:stCondLst>
+                                            <p:cond delay="0"/>
+                                          </p:stCondLst>
+                                        </p:cTn>
+                                        <p:tgtEl>
+                                          <p:spTgt spid="1032"/>
+                                        </p:tgtEl>
+                                        <p:attrNameLst>
+                                          <p:attrName>style.visibility</p:attrName>
+                                        </p:attrNameLst>
+                                      </p:cBhvr>
+                                      <p:to>
+                                        <p:strVal val="visible"/>
+                                      </p:to>
+                                    </p:set>
+                                    <p:animEffect transition="in" filter="fade">
+                                      <p:cBhvr>
+                                        <p:cTn id="22" dur="250"/>
+                                        <p:tgtEl>
+                                          <p:spTgt spid="1032"/>
+                                        </p:tgtEl>
+                                      </p:cBhvr>
+                                    </p:animEffect>
+                                  </p:childTnLst>
+                                </p:cTn>
+                              </p:par>
+                              <p:par>
+                                <p:cTn id="23" presetID="10" presetClass="entr" presetSubtype="0" fill="hold" grpId="0" nodeType="withEffect">
+                                  <p:stCondLst>
+                                    <p:cond delay="0"/>
+                                  </p:stCondLst>
+                                  <p:childTnLst>
+                                    <p:set>
+                                      <p:cBhvr>
+                                        <p:cTn id="24" dur="1" fill="hold">
+                                          <p:stCondLst>
+                                            <p:cond delay="0"/>
+                                          </p:stCondLst>
+                                        </p:cTn>
+                                        <p:tgtEl>
+                                          <p:spTgt spid="3"/>
+                                        </p:tgtEl>
+                                        <p:attrNameLst>
+                                          <p:attrName>style.visibility</p:attrName>
+                                        </p:attrNameLst>
+                                      </p:cBhvr>
+                                      <p:to>
+                                        <p:strVal val="visible"/>
+                                      </p:to>
+                                    </p:set>
+                                    <p:animEffect transition="in" filter="fade">
+                                      <p:cBhvr>
+                                        <p:cTn id="25" dur="250"/>
+                                        <p:tgtEl>
+                                          <p:spTgt spid="3"/>
+                                        </p:tgtEl>
+                                      </p:cBhvr>
+                                    </p:animEffect>
+                                  </p:childTnLst>
+                                </p:cTn>
+                              </p:par>
+                            </p:childTnLst>
+                          </p:cTn>
+                        </p:par>
+                        <p:par>
+                          <p:cTn id="26" fill="hold">
+                            <p:stCondLst>
+                              <p:cond delay="250"/>
+                            </p:stCondLst>
+                            <p:childTnLst>
+                              <p:par>
+                                <p:cTn id="27" presetID="10" presetClass="entr" presetSubtype="0" fill="hold" nodeType="afterEffect">
+                                  <p:stCondLst>
+                                    <p:cond delay="0"/>
+                                  </p:stCondLst>
+                                  <p:childTnLst>
+                                    <p:set>
+                                      <p:cBhvr>
+                                        <p:cTn id="28" dur="1" fill="hold">
+                                          <p:stCondLst>
+                                            <p:cond delay="0"/>
+                                          </p:stCondLst>
+                                        </p:cTn>
+                                        <p:tgtEl>
+                                          <p:spTgt spid="1030"/>
+                                        </p:tgtEl>
+                                        <p:attrNameLst>
+                                          <p:attrName>style.visibility</p:attrName>
+                                        </p:attrNameLst>
+                                      </p:cBhvr>
+                                      <p:to>
+                                        <p:strVal val="visible"/>
+                                      </p:to>
+                                    </p:set>
+                                    <p:animEffect transition="in" filter="fade">
+                                      <p:cBhvr>
+                                        <p:cTn id="29" dur="250"/>
+                                        <p:tgtEl>
+                                          <p:spTgt spid="1030"/>
+                                        </p:tgtEl>
+                                      </p:cBhvr>
+                                    </p:animEffect>
+                                  </p:childTnLst>
+                                </p:cTn>
+                              </p:par>
+                            </p:childTnLst>
+                          </p:cTn>
+                        </p:par>
+                      </p:childTnLst>
+                    </p:cTn>
+                  </p:par>
+                  <p:par>
+                    <p:cTn id="30" fill="hold">
+                      <p:stCondLst>
+                        <p:cond delay="indefinite"/>
+                      </p:stCondLst>
+                      <p:childTnLst>
+                        <p:par>
+                          <p:cTn id="31" fill="hold">
+                            <p:stCondLst>
+                              <p:cond delay="0"/>
+                            </p:stCondLst>
+                            <p:childTnLst>
+                              <p:par>
+                                <p:cTn id="32" presetID="10" presetClass="exit" presetSubtype="0" fill="hold" nodeType="clickEffect">
+                                  <p:stCondLst>
+                                    <p:cond delay="0"/>
+                                  </p:stCondLst>
+                                  <p:childTnLst>
+                                    <p:animEffect transition="out" filter="fade">
+                                      <p:cBhvr>
+                                        <p:cTn id="33" dur="250"/>
+                                        <p:tgtEl>
+                                          <p:spTgt spid="1032"/>
+                                        </p:tgtEl>
+                                      </p:cBhvr>
+                                    </p:animEffect>
+                                    <p:set>
+                                      <p:cBhvr>
+                                        <p:cTn id="34" dur="1" fill="hold">
+                                          <p:stCondLst>
+                                            <p:cond delay="249"/>
+                                          </p:stCondLst>
+                                        </p:cTn>
+                                        <p:tgtEl>
+                                          <p:spTgt spid="1032"/>
+                                        </p:tgtEl>
+                                        <p:attrNameLst>
+                                          <p:attrName>style.visibility</p:attrName>
+                                        </p:attrNameLst>
+                                      </p:cBhvr>
+                                      <p:to>
+                                        <p:strVal val="hidden"/>
+                                      </p:to>
+                                    </p:set>
+                                  </p:childTnLst>
+                                </p:cTn>
+                              </p:par>
+                              <p:par>
+                                <p:cTn id="35" presetID="10" presetClass="exit" presetSubtype="0" fill="hold" grpId="1" nodeType="withEffect">
+                                  <p:stCondLst>
+                                    <p:cond delay="0"/>
+                                  </p:stCondLst>
+                                  <p:childTnLst>
+                                    <p:animEffect transition="out" filter="fade">
+                                      <p:cBhvr>
+                                        <p:cTn id="36" dur="250"/>
+                                        <p:tgtEl>
+                                          <p:spTgt spid="3"/>
+                                        </p:tgtEl>
+                                      </p:cBhvr>
+                                    </p:animEffect>
+                                    <p:set>
+                                      <p:cBhvr>
+                                        <p:cTn id="37" dur="1" fill="hold">
+                                          <p:stCondLst>
+                                            <p:cond delay="249"/>
+                                          </p:stCondLst>
+                                        </p:cTn>
+                                        <p:tgtEl>
+                                          <p:spTgt spid="3"/>
+                                        </p:tgtEl>
+                                        <p:attrNameLst>
+                                          <p:attrName>style.visibility</p:attrName>
+                                        </p:attrNameLst>
+                                      </p:cBhvr>
+                                      <p:to>
+                                        <p:strVal val="hidden"/>
+                                      </p:to>
+                                    </p:set>
+                                  </p:childTnLst>
+                                </p:cTn>
+                              </p:par>
+                              <p:par>
+                                <p:cTn id="38" presetID="10" presetClass="exit" presetSubtype="0" fill="hold" nodeType="withEffect">
+                                  <p:stCondLst>
+                                    <p:cond delay="0"/>
+                                  </p:stCondLst>
+                                  <p:childTnLst>
+                                    <p:animEffect transition="out" filter="fade">
+                                      <p:cBhvr>
+                                        <p:cTn id="39" dur="250"/>
+                                        <p:tgtEl>
+                                          <p:spTgt spid="1030"/>
+                                        </p:tgtEl>
+                                      </p:cBhvr>
+                                    </p:animEffect>
+                                    <p:set>
+                                      <p:cBhvr>
+                                        <p:cTn id="40" dur="1" fill="hold">
+                                          <p:stCondLst>
+                                            <p:cond delay="249"/>
+                                          </p:stCondLst>
+                                        </p:cTn>
+                                        <p:tgtEl>
+                                          <p:spTgt spid="1030"/>
+                                        </p:tgtEl>
+                                        <p:attrNameLst>
+                                          <p:attrName>style.visibility</p:attrName>
+                                        </p:attrNameLst>
+                                      </p:cBhvr>
+                                      <p:to>
+                                        <p:strVal val="hidden"/>
+                                      </p:to>
+                                    </p:set>
+                                  </p:childTnLst>
+                                </p:cTn>
+                              </p:par>
+                            </p:childTnLst>
+                          </p:cTn>
+                        </p:par>
+                      </p:childTnLst>
+                    </p:cTn>
+                  </p:par>
+                  <p:par>
+                    <p:cTn id="41" fill="hold">
+                      <p:stCondLst>
+                        <p:cond delay="indefinite"/>
+                      </p:stCondLst>
+                      <p:childTnLst>
+                        <p:par>
+                          <p:cTn id="42" fill="hold">
+                            <p:stCondLst>
+                              <p:cond delay="0"/>
+                            </p:stCondLst>
+                            <p:childTnLst>
+                              <p:par>
+                                <p:cTn id="43" presetID="10" presetClass="entr" presetSubtype="0" fill="hold" nodeType="clickEffect">
+                                  <p:stCondLst>
+                                    <p:cond delay="0"/>
+                                  </p:stCondLst>
+                                  <p:childTnLst>
+                                    <p:set>
+                                      <p:cBhvr>
+                                        <p:cTn id="44" dur="1" fill="hold">
+                                          <p:stCondLst>
+                                            <p:cond delay="0"/>
+                                          </p:stCondLst>
+                                        </p:cTn>
+                                        <p:tgtEl>
+                                          <p:spTgt spid="1036"/>
+                                        </p:tgtEl>
+                                        <p:attrNameLst>
+                                          <p:attrName>style.visibility</p:attrName>
+                                        </p:attrNameLst>
+                                      </p:cBhvr>
+                                      <p:to>
+                                        <p:strVal val="visible"/>
+                                      </p:to>
+                                    </p:set>
+                                    <p:animEffect transition="in" filter="fade">
+                                      <p:cBhvr>
+                                        <p:cTn id="45" dur="250"/>
+                                        <p:tgtEl>
+                                          <p:spTgt spid="1036"/>
+                                        </p:tgtEl>
+                                      </p:cBhvr>
+                                    </p:animEffect>
+                                  </p:childTnLst>
+                                </p:cTn>
+                              </p:par>
+                            </p:childTnLst>
+                          </p:cTn>
+                        </p:par>
+                        <p:par>
+                          <p:cTn id="46" fill="hold">
+                            <p:stCondLst>
+                              <p:cond delay="250"/>
+                            </p:stCondLst>
+                            <p:childTnLst>
+                              <p:par>
+                                <p:cTn id="47" presetID="10" presetClass="entr" presetSubtype="0" fill="hold" nodeType="afterEffect">
+                                  <p:stCondLst>
+                                    <p:cond delay="0"/>
+                                  </p:stCondLst>
+                                  <p:childTnLst>
+                                    <p:set>
+                                      <p:cBhvr>
+                                        <p:cTn id="48" dur="1" fill="hold">
+                                          <p:stCondLst>
+                                            <p:cond delay="0"/>
+                                          </p:stCondLst>
+                                        </p:cTn>
+                                        <p:tgtEl>
+                                          <p:spTgt spid="1034"/>
+                                        </p:tgtEl>
+                                        <p:attrNameLst>
+                                          <p:attrName>style.visibility</p:attrName>
+                                        </p:attrNameLst>
+                                      </p:cBhvr>
+                                      <p:to>
+                                        <p:strVal val="visible"/>
+                                      </p:to>
+                                    </p:set>
+                                    <p:animEffect transition="in" filter="fade">
+                                      <p:cBhvr>
+                                        <p:cTn id="49" dur="250"/>
+                                        <p:tgtEl>
+                                          <p:spTgt spid="1034"/>
+                                        </p:tgtEl>
+                                      </p:cBhvr>
+                                    </p:animEffect>
+                                  </p:childTnLst>
+                                </p:cTn>
+                              </p:par>
+                            </p:childTnLst>
+                          </p:cTn>
+                        </p:par>
+                      </p:childTnLst>
+                    </p:cTn>
+                  </p:par>
+                </p:childTnLst>
+              </p:cTn>
+              <p:prevCondLst>
+                <p:cond evt="onPrev" delay="0">
+                  <p:tgtEl>
+                    <p:sldTgt/>
+                  </p:tgtEl>
+                </p:cond>
+              </p:prevCondLst>
+              <p:nextCondLst>
+                <p:cond evt="onNext" delay="0">
+                  <p:tgtEl>
+                    <p:sldTgt/>
+                  </p:tgtEl>
+                </p:cond>
+              </p:nextCondLst>
+            </p:seq>
+          </p:childTnLst>
+        </p:cTn>
+      </p:par>
+    </p:tnLst>
+    <p:bldLst>
+      <p:bldP spid="3" grpId="0"/>
+      <p:bldP spid="3" grpId="1"/>
+    </p:bldLst>
+  </p:timing>
+</p:sld>
+</file>
+
 <file path=ppt/slides/slide2.xml><?xml version="1.0" encoding="utf-8"?>
 <p:sld xmlns:a="http://schemas.openxmlformats.org/drawingml/2006/main" xmlns:r="http://schemas.openxmlformats.org/officeDocument/2006/relationships" xmlns:p="http://schemas.openxmlformats.org/presentationml/2006/main">
   <p:cSld>
@@ -14011,13 +14871,13 @@
   <p:clrMapOvr>
     <a:masterClrMapping/>
   </p:clrMapOvr>
-  <mc:AlternateContent xmlns:mc="http://schemas.openxmlformats.org/markup-compatibility/2006">
-    <mc:Choice xmlns:p14="http://schemas.microsoft.com/office/powerpoint/2010/main" Requires="p14">
+  <mc:AlternateContent xmlns:mc="http://schemas.openxmlformats.org/markup-compatibility/2006" xmlns:p14="http://schemas.microsoft.com/office/powerpoint/2010/main">
+    <mc:Choice Requires="p14">
       <p:transition>
         <p14:reveal/>
       </p:transition>
     </mc:Choice>
-    <mc:Fallback>
+    <mc:Fallback xmlns="">
       <p:transition>
         <p:fade/>
       </p:transition>
@@ -18098,13 +18958,6 @@
               </a:rPr>
               <a:t>(1980-ih) koji najviše posjećuju strani turisti</a:t>
             </a:r>
-            <a:endParaRPr lang="hr-HR" sz="2400" dirty="0">
-              <a:solidFill>
-                <a:prstClr val="black"/>
-              </a:solidFill>
-              <a:ea typeface="Calibri"/>
-              <a:cs typeface="Times New Roman"/>
-            </a:endParaRPr>
           </a:p>
         </p:txBody>
       </p:sp>

--- a/data/geografija/prezentacije/HT3_003_Turizam_Latinske_Amerike-Meksiko.pptx
+++ b/data/geografija/prezentacije/HT3_003_Turizam_Latinske_Amerike-Meksiko.pptx
@@ -5,7 +5,7 @@
     <p:sldMasterId id="2147483648" r:id="rId1"/>
   </p:sldMasterIdLst>
   <p:notesMasterIdLst>
-    <p:notesMasterId r:id="rId20"/>
+    <p:notesMasterId r:id="rId21"/>
   </p:notesMasterIdLst>
   <p:sldIdLst>
     <p:sldId id="293" r:id="rId2"/>
@@ -26,6 +26,7 @@
     <p:sldId id="369" r:id="rId17"/>
     <p:sldId id="370" r:id="rId18"/>
     <p:sldId id="371" r:id="rId19"/>
+    <p:sldId id="372" r:id="rId20"/>
   </p:sldIdLst>
   <p:sldSz cx="9144000" cy="6858000" type="screen4x3"/>
   <p:notesSz cx="6858000" cy="9144000"/>
@@ -4176,12 +4177,6 @@
                     <a14:imgEffect>
                       <a14:sharpenSoften amount="25000"/>
                     </a14:imgEffect>
-                    <a14:imgEffect>
-                      <a14:colorTemperature colorTemp="7200"/>
-                    </a14:imgEffect>
-                    <a14:imgEffect>
-                      <a14:brightnessContrast contrast="12000"/>
-                    </a14:imgEffect>
                   </a14:imgLayer>
                 </a14:imgProps>
               </a:ext>
@@ -4190,13 +4185,13 @@
               </a:ext>
             </a:extLst>
           </a:blip>
-          <a:srcRect l="-1" r="20425" b="1928"/>
+          <a:srcRect l="1" t="3265" r="15999" b="12121"/>
           <a:stretch/>
         </p:blipFill>
         <p:spPr>
           <a:xfrm>
-            <a:off x="2373437" y="1988272"/>
-            <a:ext cx="6660232" cy="4773617"/>
+            <a:off x="2517453" y="2257736"/>
+            <a:ext cx="6591051" cy="4248108"/>
           </a:xfrm>
           <a:prstGeom prst="rect">
             <a:avLst/>
@@ -4273,7 +4268,7 @@
         </p:nvSpPr>
         <p:spPr>
           <a:xfrm>
-            <a:off x="6040736" y="5866259"/>
+            <a:off x="5868144" y="6138403"/>
             <a:ext cx="792088" cy="298477"/>
           </a:xfrm>
           <a:prstGeom prst="rect">
@@ -5558,12 +5553,6 @@
                     <a14:imgEffect>
                       <a14:sharpenSoften amount="25000"/>
                     </a14:imgEffect>
-                    <a14:imgEffect>
-                      <a14:colorTemperature colorTemp="7200"/>
-                    </a14:imgEffect>
-                    <a14:imgEffect>
-                      <a14:brightnessContrast contrast="12000"/>
-                    </a14:imgEffect>
                   </a14:imgLayer>
                 </a14:imgProps>
               </a:ext>
@@ -5572,13 +5561,13 @@
               </a:ext>
             </a:extLst>
           </a:blip>
-          <a:srcRect l="-1" r="20425" b="1928"/>
+          <a:srcRect l="2369" t="9388" r="16406" b="9388"/>
           <a:stretch/>
         </p:blipFill>
         <p:spPr>
           <a:xfrm>
-            <a:off x="1475656" y="2182423"/>
-            <a:ext cx="6387733" cy="4532978"/>
+            <a:off x="1475656" y="2405327"/>
+            <a:ext cx="6387733" cy="4087170"/>
           </a:xfrm>
           <a:prstGeom prst="rect">
             <a:avLst/>
@@ -6161,12 +6150,6 @@
                     <a14:imgEffect>
                       <a14:sharpenSoften amount="25000"/>
                     </a14:imgEffect>
-                    <a14:imgEffect>
-                      <a14:colorTemperature colorTemp="7200"/>
-                    </a14:imgEffect>
-                    <a14:imgEffect>
-                      <a14:brightnessContrast contrast="12000"/>
-                    </a14:imgEffect>
                   </a14:imgLayer>
                 </a14:imgProps>
               </a:ext>
@@ -6175,13 +6158,13 @@
               </a:ext>
             </a:extLst>
           </a:blip>
-          <a:srcRect l="10212" t="39723" r="17575" b="3085"/>
+          <a:srcRect l="8616" t="25481" r="3387" b="9023"/>
           <a:stretch/>
         </p:blipFill>
         <p:spPr>
           <a:xfrm>
-            <a:off x="179512" y="2765911"/>
-            <a:ext cx="8660587" cy="3949489"/>
+            <a:off x="381000" y="2765911"/>
+            <a:ext cx="8293100" cy="3949489"/>
           </a:xfrm>
           <a:prstGeom prst="rect">
             <a:avLst/>
@@ -6250,7 +6233,7 @@
         </p:blipFill>
         <p:spPr bwMode="auto">
           <a:xfrm>
-            <a:off x="6156176" y="2132856"/>
+            <a:off x="6156176" y="2341672"/>
             <a:ext cx="2724272" cy="2398983"/>
           </a:xfrm>
           <a:prstGeom prst="rect">
@@ -6932,7 +6915,7 @@
       </p:sp>
       <p:pic>
         <p:nvPicPr>
-          <p:cNvPr id="14" name="KARTA"/>
+          <p:cNvPr id="5" name="KARTA"/>
           <p:cNvPicPr/>
           <p:nvPr/>
         </p:nvPicPr>
@@ -6945,12 +6928,6 @@
                     <a14:imgEffect>
                       <a14:sharpenSoften amount="25000"/>
                     </a14:imgEffect>
-                    <a14:imgEffect>
-                      <a14:colorTemperature colorTemp="7200"/>
-                    </a14:imgEffect>
-                    <a14:imgEffect>
-                      <a14:brightnessContrast contrast="12000"/>
-                    </a14:imgEffect>
                   </a14:imgLayer>
                 </a14:imgProps>
               </a:ext>
@@ -6959,13 +6936,13 @@
               </a:ext>
             </a:extLst>
           </a:blip>
-          <a:srcRect l="10212" t="39723" r="17575" b="3085"/>
+          <a:srcRect l="8616" t="25481" r="3387" b="9023"/>
           <a:stretch/>
         </p:blipFill>
         <p:spPr>
           <a:xfrm>
-            <a:off x="179512" y="2765911"/>
-            <a:ext cx="8660587" cy="3949489"/>
+            <a:off x="381000" y="2765911"/>
+            <a:ext cx="8293100" cy="3949489"/>
           </a:xfrm>
           <a:prstGeom prst="rect">
             <a:avLst/>
@@ -10919,6 +10896,909 @@
 </p:sld>
 </file>
 
+<file path=ppt/slides/slide19.xml><?xml version="1.0" encoding="utf-8"?>
+<p:sld xmlns:a="http://schemas.openxmlformats.org/drawingml/2006/main" xmlns:r="http://schemas.openxmlformats.org/officeDocument/2006/relationships" xmlns:p="http://schemas.openxmlformats.org/presentationml/2006/main">
+  <p:cSld>
+    <p:spTree>
+      <p:nvGrpSpPr>
+        <p:cNvPr id="1" name=""/>
+        <p:cNvGrpSpPr/>
+        <p:nvPr/>
+      </p:nvGrpSpPr>
+      <p:grpSpPr>
+        <a:xfrm>
+          <a:off x="0" y="0"/>
+          <a:ext cx="0" cy="0"/>
+          <a:chOff x="0" y="0"/>
+          <a:chExt cx="0" cy="0"/>
+        </a:xfrm>
+      </p:grpSpPr>
+      <p:pic>
+        <p:nvPicPr>
+          <p:cNvPr id="14341" name="Picture 5"/>
+          <p:cNvPicPr>
+            <a:picLocks noChangeAspect="1" noChangeArrowheads="1"/>
+          </p:cNvPicPr>
+          <p:nvPr/>
+        </p:nvPicPr>
+        <p:blipFill rotWithShape="1">
+          <a:blip r:embed="rId2">
+            <a:extLst>
+              <a:ext uri="{28A0092B-C50C-407E-A947-70E740481C1C}">
+                <a14:useLocalDpi xmlns:a14="http://schemas.microsoft.com/office/drawing/2010/main" val="0"/>
+              </a:ext>
+            </a:extLst>
+          </a:blip>
+          <a:srcRect l="25072" t="23035" r="28815" b="28232"/>
+          <a:stretch/>
+        </p:blipFill>
+        <p:spPr bwMode="auto">
+          <a:xfrm>
+            <a:off x="4211960" y="2636912"/>
+            <a:ext cx="4788349" cy="3036180"/>
+          </a:xfrm>
+          <a:prstGeom prst="rect">
+            <a:avLst/>
+          </a:prstGeom>
+          <a:noFill/>
+          <a:ln>
+            <a:noFill/>
+          </a:ln>
+          <a:extLst>
+            <a:ext uri="{909E8E84-426E-40DD-AFC4-6F175D3DCCD1}">
+              <a14:hiddenFill xmlns:a14="http://schemas.microsoft.com/office/drawing/2010/main">
+                <a:solidFill>
+                  <a:schemeClr val="accent1"/>
+                </a:solidFill>
+              </a14:hiddenFill>
+            </a:ext>
+            <a:ext uri="{91240B29-F687-4F45-9708-019B960494DF}">
+              <a14:hiddenLine xmlns:a14="http://schemas.microsoft.com/office/drawing/2010/main" w="9525">
+                <a:solidFill>
+                  <a:schemeClr val="tx1"/>
+                </a:solidFill>
+                <a:miter lim="800000"/>
+                <a:headEnd/>
+                <a:tailEnd/>
+              </a14:hiddenLine>
+            </a:ext>
+          </a:extLst>
+        </p:spPr>
+      </p:pic>
+      <p:sp>
+        <p:nvSpPr>
+          <p:cNvPr id="2" name="Title 1"/>
+          <p:cNvSpPr>
+            <a:spLocks noGrp="1"/>
+          </p:cNvSpPr>
+          <p:nvPr>
+            <p:ph type="title"/>
+          </p:nvPr>
+        </p:nvSpPr>
+        <p:spPr/>
+        <p:txBody>
+          <a:bodyPr/>
+          <a:lstStyle/>
+          <a:p>
+            <a:r>
+              <a:rPr lang="hr-HR" sz="3200" b="1" dirty="0">
+                <a:solidFill>
+                  <a:srgbClr val="FF0000"/>
+                </a:solidFill>
+              </a:rPr>
+              <a:t>KARIPSKO-BAHAMSKO OTOČJE</a:t>
+            </a:r>
+            <a:endParaRPr lang="hr-HR" sz="3600" b="1" dirty="0">
+              <a:solidFill>
+                <a:srgbClr val="FF0000"/>
+              </a:solidFill>
+            </a:endParaRPr>
+          </a:p>
+        </p:txBody>
+      </p:sp>
+      <p:sp>
+        <p:nvSpPr>
+          <p:cNvPr id="6" name="Content Placeholder 2"/>
+          <p:cNvSpPr txBox="1">
+            <a:spLocks/>
+          </p:cNvSpPr>
+          <p:nvPr/>
+        </p:nvSpPr>
+        <p:spPr>
+          <a:xfrm>
+            <a:off x="0" y="620688"/>
+            <a:ext cx="9144000" cy="6237312"/>
+          </a:xfrm>
+          <a:prstGeom prst="rect">
+            <a:avLst/>
+          </a:prstGeom>
+        </p:spPr>
+        <p:txBody>
+          <a:bodyPr vert="horz" lIns="91440" tIns="45720" rIns="91440" bIns="45720" rtlCol="0">
+            <a:noAutofit/>
+          </a:bodyPr>
+          <a:lstStyle>
+            <a:lvl1pPr marL="342900" indent="-342900" algn="l" defTabSz="914400" rtl="0" eaLnBrk="1" latinLnBrk="0" hangingPunct="1">
+              <a:spcBef>
+                <a:spcPct val="20000"/>
+              </a:spcBef>
+              <a:buFont typeface="Calibri" pitchFamily="34" charset="0"/>
+              <a:buChar char="–"/>
+              <a:defRPr sz="3200" kern="1200">
+                <a:solidFill>
+                  <a:schemeClr val="tx1"/>
+                </a:solidFill>
+                <a:latin typeface="+mn-lt"/>
+                <a:ea typeface="+mn-ea"/>
+                <a:cs typeface="+mn-cs"/>
+              </a:defRPr>
+            </a:lvl1pPr>
+            <a:lvl2pPr marL="742950" indent="-285750" algn="l" defTabSz="914400" rtl="0" eaLnBrk="1" latinLnBrk="0" hangingPunct="1">
+              <a:spcBef>
+                <a:spcPct val="20000"/>
+              </a:spcBef>
+              <a:buFont typeface="Calibri" pitchFamily="34" charset="0"/>
+              <a:buChar char="–"/>
+              <a:defRPr sz="2800" kern="1200">
+                <a:solidFill>
+                  <a:schemeClr val="tx1"/>
+                </a:solidFill>
+                <a:latin typeface="+mn-lt"/>
+                <a:ea typeface="+mn-ea"/>
+                <a:cs typeface="+mn-cs"/>
+              </a:defRPr>
+            </a:lvl2pPr>
+            <a:lvl3pPr marL="1143000" indent="-228600" algn="l" defTabSz="914400" rtl="0" eaLnBrk="1" latinLnBrk="0" hangingPunct="1">
+              <a:spcBef>
+                <a:spcPct val="20000"/>
+              </a:spcBef>
+              <a:buFont typeface="Calibri" pitchFamily="34" charset="0"/>
+              <a:buChar char="–"/>
+              <a:defRPr sz="2400" kern="1200">
+                <a:solidFill>
+                  <a:schemeClr val="tx1"/>
+                </a:solidFill>
+                <a:latin typeface="+mn-lt"/>
+                <a:ea typeface="+mn-ea"/>
+                <a:cs typeface="+mn-cs"/>
+              </a:defRPr>
+            </a:lvl3pPr>
+            <a:lvl4pPr marL="1600200" indent="-228600" algn="l" defTabSz="914400" rtl="0" eaLnBrk="1" latinLnBrk="0" hangingPunct="1">
+              <a:spcBef>
+                <a:spcPct val="20000"/>
+              </a:spcBef>
+              <a:buFont typeface="Calibri" pitchFamily="34" charset="0"/>
+              <a:buChar char="–"/>
+              <a:defRPr sz="2000" kern="1200">
+                <a:solidFill>
+                  <a:schemeClr val="tx1"/>
+                </a:solidFill>
+                <a:latin typeface="+mn-lt"/>
+                <a:ea typeface="+mn-ea"/>
+                <a:cs typeface="+mn-cs"/>
+              </a:defRPr>
+            </a:lvl4pPr>
+            <a:lvl5pPr marL="2057400" indent="-228600" algn="l" defTabSz="914400" rtl="0" eaLnBrk="1" latinLnBrk="0" hangingPunct="1">
+              <a:spcBef>
+                <a:spcPct val="20000"/>
+              </a:spcBef>
+              <a:buFont typeface="Calibri" pitchFamily="34" charset="0"/>
+              <a:buChar char="–"/>
+              <a:defRPr sz="2000" kern="1200">
+                <a:solidFill>
+                  <a:schemeClr val="tx1"/>
+                </a:solidFill>
+                <a:latin typeface="+mn-lt"/>
+                <a:ea typeface="+mn-ea"/>
+                <a:cs typeface="+mn-cs"/>
+              </a:defRPr>
+            </a:lvl5pPr>
+            <a:lvl6pPr marL="2514600" indent="-228600" algn="l" defTabSz="914400" rtl="0" eaLnBrk="1" latinLnBrk="0" hangingPunct="1">
+              <a:spcBef>
+                <a:spcPct val="20000"/>
+              </a:spcBef>
+              <a:buFont typeface="Arial" panose="020B0604020202020204" pitchFamily="34" charset="0"/>
+              <a:buChar char="•"/>
+              <a:defRPr sz="2000" kern="1200">
+                <a:solidFill>
+                  <a:schemeClr val="tx1"/>
+                </a:solidFill>
+                <a:latin typeface="+mn-lt"/>
+                <a:ea typeface="+mn-ea"/>
+                <a:cs typeface="+mn-cs"/>
+              </a:defRPr>
+            </a:lvl6pPr>
+            <a:lvl7pPr marL="2971800" indent="-228600" algn="l" defTabSz="914400" rtl="0" eaLnBrk="1" latinLnBrk="0" hangingPunct="1">
+              <a:spcBef>
+                <a:spcPct val="20000"/>
+              </a:spcBef>
+              <a:buFont typeface="Arial" panose="020B0604020202020204" pitchFamily="34" charset="0"/>
+              <a:buChar char="•"/>
+              <a:defRPr sz="2000" kern="1200">
+                <a:solidFill>
+                  <a:schemeClr val="tx1"/>
+                </a:solidFill>
+                <a:latin typeface="+mn-lt"/>
+                <a:ea typeface="+mn-ea"/>
+                <a:cs typeface="+mn-cs"/>
+              </a:defRPr>
+            </a:lvl7pPr>
+            <a:lvl8pPr marL="3429000" indent="-228600" algn="l" defTabSz="914400" rtl="0" eaLnBrk="1" latinLnBrk="0" hangingPunct="1">
+              <a:spcBef>
+                <a:spcPct val="20000"/>
+              </a:spcBef>
+              <a:buFont typeface="Arial" panose="020B0604020202020204" pitchFamily="34" charset="0"/>
+              <a:buChar char="•"/>
+              <a:defRPr sz="2000" kern="1200">
+                <a:solidFill>
+                  <a:schemeClr val="tx1"/>
+                </a:solidFill>
+                <a:latin typeface="+mn-lt"/>
+                <a:ea typeface="+mn-ea"/>
+                <a:cs typeface="+mn-cs"/>
+              </a:defRPr>
+            </a:lvl8pPr>
+            <a:lvl9pPr marL="3886200" indent="-228600" algn="l" defTabSz="914400" rtl="0" eaLnBrk="1" latinLnBrk="0" hangingPunct="1">
+              <a:spcBef>
+                <a:spcPct val="20000"/>
+              </a:spcBef>
+              <a:buFont typeface="Arial" panose="020B0604020202020204" pitchFamily="34" charset="0"/>
+              <a:buChar char="•"/>
+              <a:defRPr sz="2000" kern="1200">
+                <a:solidFill>
+                  <a:schemeClr val="tx1"/>
+                </a:solidFill>
+                <a:latin typeface="+mn-lt"/>
+                <a:ea typeface="+mn-ea"/>
+                <a:cs typeface="+mn-cs"/>
+              </a:defRPr>
+            </a:lvl9pPr>
+          </a:lstStyle>
+          <a:p>
+            <a:pPr>
+              <a:lnSpc>
+                <a:spcPct val="115000"/>
+              </a:lnSpc>
+              <a:buFont typeface="Symbol"/>
+              <a:buChar char=""/>
+            </a:pPr>
+            <a:r>
+              <a:rPr lang="hr-HR" sz="2400" b="1" dirty="0">
+                <a:solidFill>
+                  <a:srgbClr val="FF0000"/>
+                </a:solidFill>
+                <a:ea typeface="Calibri"/>
+                <a:cs typeface="Times New Roman"/>
+              </a:rPr>
+              <a:t>POVRŠINA: </a:t>
+            </a:r>
+            <a:r>
+              <a:rPr lang="hr-HR" sz="2400" dirty="0">
+                <a:ea typeface="Calibri"/>
+                <a:cs typeface="Times New Roman"/>
+              </a:rPr>
+              <a:t>51 000 km</a:t>
+            </a:r>
+            <a:r>
+              <a:rPr lang="hr-HR" sz="2400" baseline="30000" dirty="0">
+                <a:ea typeface="Calibri"/>
+                <a:cs typeface="Times New Roman"/>
+              </a:rPr>
+              <a:t>2 </a:t>
+            </a:r>
+            <a:r>
+              <a:rPr lang="hr-HR" sz="2400" dirty="0">
+                <a:ea typeface="Calibri"/>
+                <a:cs typeface="Times New Roman"/>
+              </a:rPr>
+              <a:t> (126. u svijetu)</a:t>
+            </a:r>
+          </a:p>
+          <a:p>
+            <a:pPr>
+              <a:lnSpc>
+                <a:spcPct val="115000"/>
+              </a:lnSpc>
+              <a:buFont typeface="Symbol"/>
+              <a:buChar char=""/>
+            </a:pPr>
+            <a:r>
+              <a:rPr lang="hr-HR" sz="2400" b="1" dirty="0">
+                <a:solidFill>
+                  <a:srgbClr val="FF0000"/>
+                </a:solidFill>
+                <a:ea typeface="Calibri"/>
+                <a:cs typeface="Times New Roman"/>
+              </a:rPr>
+              <a:t>BROJ STANOVNIKA: </a:t>
+            </a:r>
+            <a:r>
+              <a:rPr lang="hr-HR" sz="2400" dirty="0">
+                <a:ea typeface="Calibri"/>
+                <a:cs typeface="Times New Roman"/>
+              </a:rPr>
+              <a:t>4,9 </a:t>
+            </a:r>
+            <a:r>
+              <a:rPr lang="hr-HR" sz="2400" dirty="0" err="1">
+                <a:ea typeface="Calibri"/>
+                <a:cs typeface="Times New Roman"/>
+              </a:rPr>
+              <a:t>mil</a:t>
+            </a:r>
+            <a:r>
+              <a:rPr lang="hr-HR" sz="2400" dirty="0">
+                <a:ea typeface="Calibri"/>
+                <a:cs typeface="Times New Roman"/>
+              </a:rPr>
+              <a:t>. st – 85 st/km</a:t>
+            </a:r>
+            <a:r>
+              <a:rPr lang="hr-HR" sz="2400" baseline="30000" dirty="0">
+                <a:ea typeface="Calibri"/>
+                <a:cs typeface="Times New Roman"/>
+              </a:rPr>
+              <a:t>2</a:t>
+            </a:r>
+            <a:endParaRPr lang="hr-HR" sz="2400" dirty="0">
+              <a:ea typeface="Calibri"/>
+              <a:cs typeface="Times New Roman"/>
+            </a:endParaRPr>
+          </a:p>
+          <a:p>
+            <a:pPr>
+              <a:lnSpc>
+                <a:spcPct val="115000"/>
+              </a:lnSpc>
+              <a:buFont typeface="Symbol"/>
+              <a:buChar char=""/>
+            </a:pPr>
+            <a:r>
+              <a:rPr lang="hr-HR" sz="2400" b="1" dirty="0">
+                <a:solidFill>
+                  <a:srgbClr val="FF0000"/>
+                </a:solidFill>
+                <a:ea typeface="Calibri"/>
+                <a:cs typeface="Times New Roman"/>
+              </a:rPr>
+              <a:t>BDP/</a:t>
+            </a:r>
+            <a:r>
+              <a:rPr lang="hr-HR" sz="2400" b="1" dirty="0" err="1">
+                <a:solidFill>
+                  <a:srgbClr val="FF0000"/>
+                </a:solidFill>
+                <a:ea typeface="Calibri"/>
+                <a:cs typeface="Times New Roman"/>
+              </a:rPr>
+              <a:t>per</a:t>
+            </a:r>
+            <a:r>
+              <a:rPr lang="hr-HR" sz="2400" b="1" dirty="0">
+                <a:solidFill>
+                  <a:srgbClr val="FF0000"/>
+                </a:solidFill>
+                <a:ea typeface="Calibri"/>
+                <a:cs typeface="Times New Roman"/>
+              </a:rPr>
+              <a:t> </a:t>
+            </a:r>
+            <a:r>
+              <a:rPr lang="hr-HR" sz="2400" b="1" dirty="0" err="1">
+                <a:solidFill>
+                  <a:srgbClr val="FF0000"/>
+                </a:solidFill>
+                <a:ea typeface="Calibri"/>
+                <a:cs typeface="Times New Roman"/>
+              </a:rPr>
+              <a:t>capita</a:t>
+            </a:r>
+            <a:r>
+              <a:rPr lang="hr-HR" sz="2400" b="1" dirty="0">
+                <a:solidFill>
+                  <a:srgbClr val="FF0000"/>
+                </a:solidFill>
+                <a:ea typeface="Calibri"/>
+                <a:cs typeface="Times New Roman"/>
+              </a:rPr>
+              <a:t>: </a:t>
+            </a:r>
+            <a:r>
+              <a:rPr lang="hr-HR" sz="2400" dirty="0">
+                <a:ea typeface="Calibri"/>
+                <a:cs typeface="Times New Roman"/>
+              </a:rPr>
+              <a:t>oko 12 000 USD – </a:t>
+            </a:r>
+            <a:r>
+              <a:rPr lang="hr-HR" sz="2400" b="1" dirty="0">
+                <a:solidFill>
+                  <a:srgbClr val="FF0000"/>
+                </a:solidFill>
+                <a:ea typeface="Calibri"/>
+                <a:cs typeface="Times New Roman"/>
+              </a:rPr>
+              <a:t>HDI:</a:t>
+            </a:r>
+            <a:r>
+              <a:rPr lang="hr-HR" sz="2400" dirty="0">
+                <a:ea typeface="Calibri"/>
+                <a:cs typeface="Times New Roman"/>
+              </a:rPr>
+              <a:t> 0,794 (63. u svijetu)</a:t>
+            </a:r>
+          </a:p>
+          <a:p>
+            <a:pPr>
+              <a:lnSpc>
+                <a:spcPct val="115000"/>
+              </a:lnSpc>
+              <a:buFont typeface="Symbol"/>
+              <a:buChar char=""/>
+            </a:pPr>
+            <a:r>
+              <a:rPr lang="hr-HR" sz="2400" b="1" dirty="0">
+                <a:solidFill>
+                  <a:srgbClr val="FF0000"/>
+                </a:solidFill>
+                <a:ea typeface="Calibri"/>
+                <a:cs typeface="Times New Roman"/>
+              </a:rPr>
+              <a:t>GLAVNI GRAD: </a:t>
+            </a:r>
+            <a:r>
+              <a:rPr lang="hr-HR" sz="2400" dirty="0">
+                <a:ea typeface="Calibri"/>
+                <a:cs typeface="Times New Roman"/>
+              </a:rPr>
+              <a:t>San Jose – oko 290 000 st</a:t>
+            </a:r>
+          </a:p>
+          <a:p>
+            <a:pPr>
+              <a:lnSpc>
+                <a:spcPct val="115000"/>
+              </a:lnSpc>
+              <a:buFont typeface="Symbol"/>
+              <a:buChar char=""/>
+            </a:pPr>
+            <a:r>
+              <a:rPr lang="hr-HR" sz="2400" b="1" dirty="0">
+                <a:solidFill>
+                  <a:srgbClr val="FF0000"/>
+                </a:solidFill>
+                <a:ea typeface="Calibri"/>
+                <a:cs typeface="Times New Roman"/>
+              </a:rPr>
+              <a:t>SLUŽBENI JEZIK: </a:t>
+            </a:r>
+            <a:r>
+              <a:rPr lang="hr-HR" sz="2400" dirty="0">
+                <a:ea typeface="Calibri"/>
+                <a:cs typeface="Times New Roman"/>
+              </a:rPr>
+              <a:t>Španjolski</a:t>
+            </a:r>
+          </a:p>
+        </p:txBody>
+      </p:sp>
+      <p:sp>
+        <p:nvSpPr>
+          <p:cNvPr id="8" name="TextBox 7"/>
+          <p:cNvSpPr txBox="1"/>
+          <p:nvPr/>
+        </p:nvSpPr>
+        <p:spPr>
+          <a:xfrm>
+            <a:off x="5115152" y="4653136"/>
+            <a:ext cx="1038361" cy="369332"/>
+          </a:xfrm>
+          <a:prstGeom prst="rect">
+            <a:avLst/>
+          </a:prstGeom>
+          <a:noFill/>
+        </p:spPr>
+        <p:txBody>
+          <a:bodyPr wrap="none" rtlCol="0">
+            <a:spAutoFit/>
+          </a:bodyPr>
+          <a:lstStyle/>
+          <a:p>
+            <a:r>
+              <a:rPr lang="hr-HR" dirty="0" smtClean="0"/>
+              <a:t>Kostarika</a:t>
+            </a:r>
+            <a:endParaRPr lang="hr-HR" dirty="0"/>
+          </a:p>
+        </p:txBody>
+      </p:sp>
+      <p:sp>
+        <p:nvSpPr>
+          <p:cNvPr id="15" name="TextBox 14"/>
+          <p:cNvSpPr txBox="1"/>
+          <p:nvPr/>
+        </p:nvSpPr>
+        <p:spPr>
+          <a:xfrm>
+            <a:off x="5703066" y="4241324"/>
+            <a:ext cx="903068" cy="307777"/>
+          </a:xfrm>
+          <a:prstGeom prst="rect">
+            <a:avLst/>
+          </a:prstGeom>
+          <a:noFill/>
+        </p:spPr>
+        <p:txBody>
+          <a:bodyPr wrap="none" rtlCol="0">
+            <a:spAutoFit/>
+          </a:bodyPr>
+          <a:lstStyle/>
+          <a:p>
+            <a:r>
+              <a:rPr lang="hr-HR" sz="1400" dirty="0" smtClean="0"/>
+              <a:t>Nikaragva</a:t>
+            </a:r>
+            <a:endParaRPr lang="hr-HR" sz="1400" dirty="0"/>
+          </a:p>
+        </p:txBody>
+      </p:sp>
+      <p:sp>
+        <p:nvSpPr>
+          <p:cNvPr id="16" name="TextBox 15"/>
+          <p:cNvSpPr txBox="1"/>
+          <p:nvPr/>
+        </p:nvSpPr>
+        <p:spPr>
+          <a:xfrm>
+            <a:off x="6394456" y="4711358"/>
+            <a:ext cx="770724" cy="307777"/>
+          </a:xfrm>
+          <a:prstGeom prst="rect">
+            <a:avLst/>
+          </a:prstGeom>
+          <a:noFill/>
+        </p:spPr>
+        <p:txBody>
+          <a:bodyPr wrap="none" rtlCol="0">
+            <a:spAutoFit/>
+          </a:bodyPr>
+          <a:lstStyle/>
+          <a:p>
+            <a:r>
+              <a:rPr lang="hr-HR" sz="1400" dirty="0" smtClean="0"/>
+              <a:t>Panama</a:t>
+            </a:r>
+            <a:endParaRPr lang="hr-HR" sz="1400" dirty="0"/>
+          </a:p>
+        </p:txBody>
+      </p:sp>
+    </p:spTree>
+    <p:extLst>
+      <p:ext uri="{BB962C8B-B14F-4D97-AF65-F5344CB8AC3E}">
+        <p14:creationId xmlns:p14="http://schemas.microsoft.com/office/powerpoint/2010/main" val="2980862759"/>
+      </p:ext>
+    </p:extLst>
+  </p:cSld>
+  <p:clrMapOvr>
+    <a:masterClrMapping/>
+  </p:clrMapOvr>
+  <mc:AlternateContent xmlns:mc="http://schemas.openxmlformats.org/markup-compatibility/2006" xmlns:p14="http://schemas.microsoft.com/office/powerpoint/2010/main">
+    <mc:Choice Requires="p14">
+      <p:transition>
+        <p14:reveal/>
+      </p:transition>
+    </mc:Choice>
+    <mc:Fallback xmlns="">
+      <p:transition>
+        <p:fade/>
+      </p:transition>
+    </mc:Fallback>
+  </mc:AlternateContent>
+  <p:timing>
+    <p:tnLst>
+      <p:par>
+        <p:cTn id="1" dur="indefinite" restart="never" nodeType="tmRoot">
+          <p:childTnLst>
+            <p:seq concurrent="1" nextAc="seek">
+              <p:cTn id="2" dur="indefinite" nodeType="mainSeq">
+                <p:childTnLst>
+                  <p:par>
+                    <p:cTn id="3" fill="hold">
+                      <p:stCondLst>
+                        <p:cond delay="indefinite"/>
+                        <p:cond evt="onBegin" delay="0">
+                          <p:tn val="2"/>
+                        </p:cond>
+                      </p:stCondLst>
+                      <p:childTnLst>
+                        <p:par>
+                          <p:cTn id="4" fill="hold">
+                            <p:stCondLst>
+                              <p:cond delay="0"/>
+                            </p:stCondLst>
+                            <p:childTnLst>
+                              <p:par>
+                                <p:cTn id="5" presetID="10" presetClass="entr" presetSubtype="0" fill="hold" nodeType="afterEffect">
+                                  <p:stCondLst>
+                                    <p:cond delay="0"/>
+                                  </p:stCondLst>
+                                  <p:childTnLst>
+                                    <p:set>
+                                      <p:cBhvr>
+                                        <p:cTn id="6" dur="1" fill="hold">
+                                          <p:stCondLst>
+                                            <p:cond delay="0"/>
+                                          </p:stCondLst>
+                                        </p:cTn>
+                                        <p:tgtEl>
+                                          <p:spTgt spid="6">
+                                            <p:txEl>
+                                              <p:pRg st="0" end="0"/>
+                                            </p:txEl>
+                                          </p:spTgt>
+                                        </p:tgtEl>
+                                        <p:attrNameLst>
+                                          <p:attrName>style.visibility</p:attrName>
+                                        </p:attrNameLst>
+                                      </p:cBhvr>
+                                      <p:to>
+                                        <p:strVal val="visible"/>
+                                      </p:to>
+                                    </p:set>
+                                    <p:animEffect transition="in" filter="fade">
+                                      <p:cBhvr>
+                                        <p:cTn id="7" dur="250"/>
+                                        <p:tgtEl>
+                                          <p:spTgt spid="6">
+                                            <p:txEl>
+                                              <p:pRg st="0" end="0"/>
+                                            </p:txEl>
+                                          </p:spTgt>
+                                        </p:tgtEl>
+                                      </p:cBhvr>
+                                    </p:animEffect>
+                                  </p:childTnLst>
+                                </p:cTn>
+                              </p:par>
+                            </p:childTnLst>
+                          </p:cTn>
+                        </p:par>
+                        <p:par>
+                          <p:cTn id="8" fill="hold">
+                            <p:stCondLst>
+                              <p:cond delay="250"/>
+                            </p:stCondLst>
+                            <p:childTnLst>
+                              <p:par>
+                                <p:cTn id="9" presetID="10" presetClass="entr" presetSubtype="0" fill="hold" nodeType="afterEffect">
+                                  <p:stCondLst>
+                                    <p:cond delay="0"/>
+                                  </p:stCondLst>
+                                  <p:childTnLst>
+                                    <p:set>
+                                      <p:cBhvr>
+                                        <p:cTn id="10" dur="1" fill="hold">
+                                          <p:stCondLst>
+                                            <p:cond delay="0"/>
+                                          </p:stCondLst>
+                                        </p:cTn>
+                                        <p:tgtEl>
+                                          <p:spTgt spid="6">
+                                            <p:txEl>
+                                              <p:pRg st="1" end="1"/>
+                                            </p:txEl>
+                                          </p:spTgt>
+                                        </p:tgtEl>
+                                        <p:attrNameLst>
+                                          <p:attrName>style.visibility</p:attrName>
+                                        </p:attrNameLst>
+                                      </p:cBhvr>
+                                      <p:to>
+                                        <p:strVal val="visible"/>
+                                      </p:to>
+                                    </p:set>
+                                    <p:animEffect transition="in" filter="fade">
+                                      <p:cBhvr>
+                                        <p:cTn id="11" dur="250"/>
+                                        <p:tgtEl>
+                                          <p:spTgt spid="6">
+                                            <p:txEl>
+                                              <p:pRg st="1" end="1"/>
+                                            </p:txEl>
+                                          </p:spTgt>
+                                        </p:tgtEl>
+                                      </p:cBhvr>
+                                    </p:animEffect>
+                                  </p:childTnLst>
+                                </p:cTn>
+                              </p:par>
+                            </p:childTnLst>
+                          </p:cTn>
+                        </p:par>
+                        <p:par>
+                          <p:cTn id="12" fill="hold">
+                            <p:stCondLst>
+                              <p:cond delay="500"/>
+                            </p:stCondLst>
+                            <p:childTnLst>
+                              <p:par>
+                                <p:cTn id="13" presetID="10" presetClass="entr" presetSubtype="0" fill="hold" nodeType="afterEffect">
+                                  <p:stCondLst>
+                                    <p:cond delay="0"/>
+                                  </p:stCondLst>
+                                  <p:childTnLst>
+                                    <p:set>
+                                      <p:cBhvr>
+                                        <p:cTn id="14" dur="1" fill="hold">
+                                          <p:stCondLst>
+                                            <p:cond delay="0"/>
+                                          </p:stCondLst>
+                                        </p:cTn>
+                                        <p:tgtEl>
+                                          <p:spTgt spid="6">
+                                            <p:txEl>
+                                              <p:pRg st="2" end="2"/>
+                                            </p:txEl>
+                                          </p:spTgt>
+                                        </p:tgtEl>
+                                        <p:attrNameLst>
+                                          <p:attrName>style.visibility</p:attrName>
+                                        </p:attrNameLst>
+                                      </p:cBhvr>
+                                      <p:to>
+                                        <p:strVal val="visible"/>
+                                      </p:to>
+                                    </p:set>
+                                    <p:animEffect transition="in" filter="fade">
+                                      <p:cBhvr>
+                                        <p:cTn id="15" dur="250"/>
+                                        <p:tgtEl>
+                                          <p:spTgt spid="6">
+                                            <p:txEl>
+                                              <p:pRg st="2" end="2"/>
+                                            </p:txEl>
+                                          </p:spTgt>
+                                        </p:tgtEl>
+                                      </p:cBhvr>
+                                    </p:animEffect>
+                                  </p:childTnLst>
+                                </p:cTn>
+                              </p:par>
+                            </p:childTnLst>
+                          </p:cTn>
+                        </p:par>
+                        <p:par>
+                          <p:cTn id="16" fill="hold">
+                            <p:stCondLst>
+                              <p:cond delay="750"/>
+                            </p:stCondLst>
+                            <p:childTnLst>
+                              <p:par>
+                                <p:cTn id="17" presetID="10" presetClass="entr" presetSubtype="0" fill="hold" nodeType="afterEffect">
+                                  <p:stCondLst>
+                                    <p:cond delay="0"/>
+                                  </p:stCondLst>
+                                  <p:childTnLst>
+                                    <p:set>
+                                      <p:cBhvr>
+                                        <p:cTn id="18" dur="1" fill="hold">
+                                          <p:stCondLst>
+                                            <p:cond delay="0"/>
+                                          </p:stCondLst>
+                                        </p:cTn>
+                                        <p:tgtEl>
+                                          <p:spTgt spid="6">
+                                            <p:txEl>
+                                              <p:pRg st="3" end="3"/>
+                                            </p:txEl>
+                                          </p:spTgt>
+                                        </p:tgtEl>
+                                        <p:attrNameLst>
+                                          <p:attrName>style.visibility</p:attrName>
+                                        </p:attrNameLst>
+                                      </p:cBhvr>
+                                      <p:to>
+                                        <p:strVal val="visible"/>
+                                      </p:to>
+                                    </p:set>
+                                    <p:animEffect transition="in" filter="fade">
+                                      <p:cBhvr>
+                                        <p:cTn id="19" dur="250"/>
+                                        <p:tgtEl>
+                                          <p:spTgt spid="6">
+                                            <p:txEl>
+                                              <p:pRg st="3" end="3"/>
+                                            </p:txEl>
+                                          </p:spTgt>
+                                        </p:tgtEl>
+                                      </p:cBhvr>
+                                    </p:animEffect>
+                                  </p:childTnLst>
+                                </p:cTn>
+                              </p:par>
+                            </p:childTnLst>
+                          </p:cTn>
+                        </p:par>
+                        <p:par>
+                          <p:cTn id="20" fill="hold">
+                            <p:stCondLst>
+                              <p:cond delay="1000"/>
+                            </p:stCondLst>
+                            <p:childTnLst>
+                              <p:par>
+                                <p:cTn id="21" presetID="10" presetClass="entr" presetSubtype="0" fill="hold" nodeType="afterEffect">
+                                  <p:stCondLst>
+                                    <p:cond delay="0"/>
+                                  </p:stCondLst>
+                                  <p:childTnLst>
+                                    <p:set>
+                                      <p:cBhvr>
+                                        <p:cTn id="22" dur="1" fill="hold">
+                                          <p:stCondLst>
+                                            <p:cond delay="0"/>
+                                          </p:stCondLst>
+                                        </p:cTn>
+                                        <p:tgtEl>
+                                          <p:spTgt spid="6">
+                                            <p:txEl>
+                                              <p:pRg st="4" end="4"/>
+                                            </p:txEl>
+                                          </p:spTgt>
+                                        </p:tgtEl>
+                                        <p:attrNameLst>
+                                          <p:attrName>style.visibility</p:attrName>
+                                        </p:attrNameLst>
+                                      </p:cBhvr>
+                                      <p:to>
+                                        <p:strVal val="visible"/>
+                                      </p:to>
+                                    </p:set>
+                                    <p:animEffect transition="in" filter="fade">
+                                      <p:cBhvr>
+                                        <p:cTn id="23" dur="250"/>
+                                        <p:tgtEl>
+                                          <p:spTgt spid="6">
+                                            <p:txEl>
+                                              <p:pRg st="4" end="4"/>
+                                            </p:txEl>
+                                          </p:spTgt>
+                                        </p:tgtEl>
+                                      </p:cBhvr>
+                                    </p:animEffect>
+                                  </p:childTnLst>
+                                </p:cTn>
+                              </p:par>
+                            </p:childTnLst>
+                          </p:cTn>
+                        </p:par>
+                      </p:childTnLst>
+                    </p:cTn>
+                  </p:par>
+                </p:childTnLst>
+              </p:cTn>
+              <p:prevCondLst>
+                <p:cond evt="onPrev" delay="0">
+                  <p:tgtEl>
+                    <p:sldTgt/>
+                  </p:tgtEl>
+                </p:cond>
+              </p:prevCondLst>
+              <p:nextCondLst>
+                <p:cond evt="onNext" delay="0">
+                  <p:tgtEl>
+                    <p:sldTgt/>
+                  </p:tgtEl>
+                </p:cond>
+              </p:nextCondLst>
+            </p:seq>
+          </p:childTnLst>
+        </p:cTn>
+      </p:par>
+    </p:tnLst>
+  </p:timing>
+</p:sld>
+</file>
+
 <file path=ppt/slides/slide2.xml><?xml version="1.0" encoding="utf-8"?>
 <p:sld xmlns:a="http://schemas.openxmlformats.org/drawingml/2006/main" xmlns:r="http://schemas.openxmlformats.org/officeDocument/2006/relationships" xmlns:p="http://schemas.openxmlformats.org/presentationml/2006/main">
   <p:cSld>
@@ -12525,7 +13405,7 @@
                 <a14:imgProps xmlns:a14="http://schemas.microsoft.com/office/drawing/2010/main">
                   <a14:imgLayer r:embed="rId3">
                     <a14:imgEffect>
-                      <a14:colorTemperature colorTemp="7200"/>
+                      <a14:sharpenSoften amount="25000"/>
                     </a14:imgEffect>
                   </a14:imgLayer>
                 </a14:imgProps>
@@ -12541,8 +13421,8 @@
         </p:blipFill>
         <p:spPr>
           <a:xfrm>
-            <a:off x="2051720" y="177"/>
-            <a:ext cx="7092280" cy="4397354"/>
+            <a:off x="2161604" y="177"/>
+            <a:ext cx="6872511" cy="4397354"/>
           </a:xfrm>
           <a:prstGeom prst="rect">
             <a:avLst/>
@@ -13133,9 +14013,6 @@
                     <a14:imgEffect>
                       <a14:sharpenSoften amount="25000"/>
                     </a14:imgEffect>
-                    <a14:imgEffect>
-                      <a14:colorTemperature colorTemp="7200"/>
-                    </a14:imgEffect>
                   </a14:imgLayer>
                 </a14:imgProps>
               </a:ext>
@@ -13150,8 +14027,8 @@
         </p:blipFill>
         <p:spPr>
           <a:xfrm>
-            <a:off x="491526" y="1782787"/>
-            <a:ext cx="8188433" cy="5076991"/>
+            <a:off x="618393" y="1782787"/>
+            <a:ext cx="7934698" cy="5076991"/>
           </a:xfrm>
           <a:prstGeom prst="rect">
             <a:avLst/>
@@ -18626,12 +19503,6 @@
                     <a14:imgEffect>
                       <a14:sharpenSoften amount="25000"/>
                     </a14:imgEffect>
-                    <a14:imgEffect>
-                      <a14:colorTemperature colorTemp="7200"/>
-                    </a14:imgEffect>
-                    <a14:imgEffect>
-                      <a14:brightnessContrast contrast="12000"/>
-                    </a14:imgEffect>
                   </a14:imgLayer>
                 </a14:imgProps>
               </a:ext>
@@ -18640,13 +19511,13 @@
               </a:ext>
             </a:extLst>
           </a:blip>
-          <a:srcRect l="30039" t="12391" b="13012"/>
+          <a:srcRect l="32498" t="23568" r="2742" b="11672"/>
           <a:stretch/>
         </p:blipFill>
         <p:spPr>
           <a:xfrm>
-            <a:off x="1427968" y="2636912"/>
-            <a:ext cx="6288063" cy="4157421"/>
+            <a:off x="1427968" y="2703924"/>
+            <a:ext cx="6288063" cy="4023396"/>
           </a:xfrm>
           <a:prstGeom prst="rect">
             <a:avLst/>
